--- a/introduccion js/mapa/GoogleMaps.pptx
+++ b/introduccion js/mapa/GoogleMaps.pptx
@@ -220,7 +220,7 @@
           <a:p>
             <a:fld id="{EDC82A51-097F-4864-A4F6-46FECE056A0F}" type="datetimeFigureOut">
               <a:rPr lang="es-MX" smtClean="0"/>
-              <a:t>08/03/2018</a:t>
+              <a:t>09/03/2018</a:t>
             </a:fld>
             <a:endParaRPr lang="es-MX"/>
           </a:p>
@@ -386,7 +386,7 @@
           <a:p>
             <a:fld id="{E63B3BB3-357B-4FB6-ADE2-74838EC5FF5B}" type="datetimeFigureOut">
               <a:rPr lang="es-MX" smtClean="0"/>
-              <a:t>08/03/2018</a:t>
+              <a:t>09/03/2018</a:t>
             </a:fld>
             <a:endParaRPr lang="es-MX"/>
           </a:p>
@@ -937,7 +937,7 @@
           <a:p>
             <a:fld id="{78BB2372-2761-44A5-AED3-734D90A1B253}" type="datetime1">
               <a:rPr lang="es-MX" smtClean="0"/>
-              <a:t>08/03/2018</a:t>
+              <a:t>09/03/2018</a:t>
             </a:fld>
             <a:endParaRPr lang="es-MX"/>
           </a:p>
@@ -1255,7 +1255,7 @@
           <a:p>
             <a:fld id="{B9B91C8B-79E6-4FAB-AAA7-803997839D51}" type="datetime1">
               <a:rPr lang="es-MX" smtClean="0"/>
-              <a:t>08/03/2018</a:t>
+              <a:t>09/03/2018</a:t>
             </a:fld>
             <a:endParaRPr lang="es-MX"/>
           </a:p>
@@ -1635,7 +1635,7 @@
           <a:p>
             <a:fld id="{525A6663-3E4E-4BE2-B7C2-3A277D8C1141}" type="datetime1">
               <a:rPr lang="es-MX" smtClean="0"/>
-              <a:t>08/03/2018</a:t>
+              <a:t>09/03/2018</a:t>
             </a:fld>
             <a:endParaRPr lang="es-MX"/>
           </a:p>
@@ -2159,7 +2159,7 @@
           <a:p>
             <a:fld id="{20C663D8-7129-46BF-8062-AF5F0D6B0C91}" type="datetime1">
               <a:rPr lang="es-MX" smtClean="0"/>
-              <a:t>08/03/2018</a:t>
+              <a:t>09/03/2018</a:t>
             </a:fld>
             <a:endParaRPr lang="es-MX"/>
           </a:p>
@@ -2624,7 +2624,7 @@
           <a:p>
             <a:fld id="{A59B6387-BD91-404A-94B0-4B385FB9C007}" type="datetime1">
               <a:rPr lang="es-MX" smtClean="0"/>
-              <a:t>08/03/2018</a:t>
+              <a:t>09/03/2018</a:t>
             </a:fld>
             <a:endParaRPr lang="es-MX"/>
           </a:p>
@@ -3010,7 +3010,7 @@
           <a:p>
             <a:fld id="{423DBE62-F9C6-4A5A-BC68-93E95FD9505D}" type="datetime1">
               <a:rPr lang="es-MX" smtClean="0"/>
-              <a:t>08/03/2018</a:t>
+              <a:t>09/03/2018</a:t>
             </a:fld>
             <a:endParaRPr lang="es-MX"/>
           </a:p>
@@ -3577,7 +3577,7 @@
           <a:p>
             <a:fld id="{A602A375-89B7-4F9D-A448-9546AA8105B1}" type="datetime1">
               <a:rPr lang="es-MX" smtClean="0"/>
-              <a:t>08/03/2018</a:t>
+              <a:t>09/03/2018</a:t>
             </a:fld>
             <a:endParaRPr lang="es-MX"/>
           </a:p>
@@ -3979,7 +3979,7 @@
           <a:p>
             <a:fld id="{5B8F175C-BFB3-412A-AB80-C4D6AE6272F7}" type="datetime1">
               <a:rPr lang="es-MX" smtClean="0"/>
-              <a:t>08/03/2018</a:t>
+              <a:t>09/03/2018</a:t>
             </a:fld>
             <a:endParaRPr lang="es-MX"/>
           </a:p>
@@ -4229,7 +4229,7 @@
             <a:fld id="{78BB2372-2761-44A5-AED3-734D90A1B253}" type="datetime1">
               <a:rPr lang="es-MX" smtClean="0"/>
               <a:pPr/>
-              <a:t>08/03/2018</a:t>
+              <a:t>09/03/2018</a:t>
             </a:fld>
             <a:endParaRPr lang="es-MX"/>
           </a:p>
@@ -4345,7 +4345,7 @@
           <a:p>
             <a:fld id="{4E6F4C02-A620-45D8-940B-97B1E5288140}" type="datetime1">
               <a:rPr lang="es-MX" smtClean="0"/>
-              <a:t>08/03/2018</a:t>
+              <a:t>09/03/2018</a:t>
             </a:fld>
             <a:endParaRPr lang="es-MX"/>
           </a:p>
@@ -4678,7 +4678,7 @@
           <a:p>
             <a:fld id="{71D4A01E-58B7-4E95-B611-CCD75B026A5D}" type="datetime1">
               <a:rPr lang="es-MX" smtClean="0"/>
-              <a:t>08/03/2018</a:t>
+              <a:t>09/03/2018</a:t>
             </a:fld>
             <a:endParaRPr lang="es-MX"/>
           </a:p>
@@ -5105,7 +5105,7 @@
           <a:p>
             <a:fld id="{2F1087C9-DB44-44FD-9E1D-7A9C2507E50D}" type="datetime1">
               <a:rPr lang="es-MX" smtClean="0"/>
-              <a:t>08/03/2018</a:t>
+              <a:t>09/03/2018</a:t>
             </a:fld>
             <a:endParaRPr lang="es-MX"/>
           </a:p>
@@ -5523,7 +5523,7 @@
           <a:p>
             <a:fld id="{86C499C8-E619-40EE-A327-D03ADBE772E0}" type="datetime1">
               <a:rPr lang="es-MX" smtClean="0"/>
-              <a:t>08/03/2018</a:t>
+              <a:t>09/03/2018</a:t>
             </a:fld>
             <a:endParaRPr lang="es-MX"/>
           </a:p>
